--- a/07_Archive/Archive.pptx
+++ b/07_Archive/Archive.pptx
@@ -3357,8 +3357,8 @@
         </p:nvSpPr>
         <p:spPr>
           <a:xfrm>
-            <a:off x="258901" y="4445168"/>
-            <a:ext cx="6340197" cy="1015663"/>
+            <a:off x="4841" y="3629561"/>
+            <a:ext cx="6853159" cy="2646878"/>
           </a:xfrm>
           <a:prstGeom prst="rect">
             <a:avLst/>
@@ -3371,10 +3371,44 @@
           </a:bodyPr>
           <a:lstStyle/>
           <a:p>
-            <a:r>
-              <a:rPr kumimoji="1" lang="ja-JP" altLang="en-US" sz="6000" dirty="0"/>
+            <a:pPr algn="ctr"/>
+            <a:r>
+              <a:rPr kumimoji="1" lang="ja-JP" altLang="en-US" sz="6400" dirty="0"/>
               <a:t>ムービー制作秘話</a:t>
             </a:r>
+            <a:endParaRPr kumimoji="1" lang="en-US" altLang="ja-JP" sz="6400" dirty="0"/>
+          </a:p>
+          <a:p>
+            <a:pPr algn="ctr"/>
+            <a:r>
+              <a:rPr kumimoji="1" lang="en-US" altLang="ja-JP" sz="3400" dirty="0"/>
+              <a:t>(</a:t>
+            </a:r>
+            <a:r>
+              <a:rPr kumimoji="1" lang="ja-JP" altLang="en-US" sz="3400" dirty="0"/>
+              <a:t>主に撮影中に苦労したこと、</a:t>
+            </a:r>
+            <a:endParaRPr kumimoji="1" lang="en-US" altLang="ja-JP" sz="3400" dirty="0"/>
+          </a:p>
+          <a:p>
+            <a:pPr algn="ctr"/>
+            <a:r>
+              <a:rPr kumimoji="1" lang="ja-JP" altLang="en-US" sz="3400" dirty="0"/>
+              <a:t>映像作品として意識したこと、</a:t>
+            </a:r>
+            <a:endParaRPr kumimoji="1" lang="en-US" altLang="ja-JP" sz="3400" dirty="0"/>
+          </a:p>
+          <a:p>
+            <a:pPr algn="ctr"/>
+            <a:r>
+              <a:rPr kumimoji="1" lang="ja-JP" altLang="en-US" sz="3400" dirty="0"/>
+              <a:t>動画内のテーマになるまでの経緯</a:t>
+            </a:r>
+            <a:r>
+              <a:rPr kumimoji="1" lang="en-US" altLang="ja-JP" sz="3400" dirty="0"/>
+              <a:t>)</a:t>
+            </a:r>
+            <a:endParaRPr kumimoji="1" lang="ja-JP" altLang="en-US" sz="3400" dirty="0"/>
           </a:p>
         </p:txBody>
       </p:sp>
@@ -3428,8 +3462,8 @@
         </p:nvSpPr>
         <p:spPr>
           <a:xfrm>
-            <a:off x="374317" y="4399002"/>
-            <a:ext cx="6109365" cy="1107996"/>
+            <a:off x="-125820" y="2690842"/>
+            <a:ext cx="7109639" cy="4524315"/>
           </a:xfrm>
           <a:prstGeom prst="rect">
             <a:avLst/>
@@ -3442,10 +3476,52 @@
           </a:bodyPr>
           <a:lstStyle/>
           <a:p>
-            <a:r>
-              <a:rPr kumimoji="1" lang="ja-JP" altLang="en-US" sz="6600" dirty="0"/>
+            <a:pPr algn="ctr"/>
+            <a:r>
+              <a:rPr kumimoji="1" lang="ja-JP" altLang="en-US" sz="7200" dirty="0"/>
               <a:t>ブース関連秘話</a:t>
             </a:r>
+            <a:endParaRPr kumimoji="1" lang="en-US" altLang="ja-JP" sz="7200" dirty="0"/>
+          </a:p>
+          <a:p>
+            <a:pPr algn="ctr"/>
+            <a:r>
+              <a:rPr kumimoji="1" lang="en-US" altLang="ja-JP" sz="5400" dirty="0"/>
+              <a:t>(</a:t>
+            </a:r>
+            <a:r>
+              <a:rPr kumimoji="1" lang="ja-JP" altLang="en-US" sz="5400" dirty="0"/>
+              <a:t>主に作業中の様子、</a:t>
+            </a:r>
+            <a:endParaRPr kumimoji="1" lang="en-US" altLang="ja-JP" sz="5400" dirty="0"/>
+          </a:p>
+          <a:p>
+            <a:pPr algn="ctr"/>
+            <a:r>
+              <a:rPr kumimoji="1" lang="ja-JP" altLang="en-US" sz="5400" dirty="0"/>
+              <a:t>努力したポイント、</a:t>
+            </a:r>
+            <a:endParaRPr kumimoji="1" lang="en-US" altLang="ja-JP" sz="5400" dirty="0"/>
+          </a:p>
+          <a:p>
+            <a:pPr algn="ctr"/>
+            <a:r>
+              <a:rPr kumimoji="1" lang="ja-JP" altLang="en-US" sz="5400" dirty="0"/>
+              <a:t>ブース用意中の様子、</a:t>
+            </a:r>
+            <a:endParaRPr kumimoji="1" lang="en-US" altLang="ja-JP" sz="5400" dirty="0"/>
+          </a:p>
+          <a:p>
+            <a:pPr algn="ctr"/>
+            <a:r>
+              <a:rPr kumimoji="1" lang="ja-JP" altLang="en-US" sz="5400" dirty="0"/>
+              <a:t>展示中の様子</a:t>
+            </a:r>
+            <a:r>
+              <a:rPr kumimoji="1" lang="en-US" altLang="ja-JP" sz="5400" dirty="0"/>
+              <a:t>)</a:t>
+            </a:r>
+            <a:endParaRPr kumimoji="1" lang="ja-JP" altLang="en-US" sz="6600" dirty="0"/>
           </a:p>
         </p:txBody>
       </p:sp>
@@ -3738,8 +3814,8 @@
         </p:nvSpPr>
         <p:spPr>
           <a:xfrm>
-            <a:off x="771862" y="3060174"/>
-            <a:ext cx="5314275" cy="3785652"/>
+            <a:off x="2421" y="3275617"/>
+            <a:ext cx="6853158" cy="3754874"/>
           </a:xfrm>
           <a:prstGeom prst="rect">
             <a:avLst/>
@@ -3755,7 +3831,7 @@
             <a:pPr algn="ctr"/>
             <a:r>
               <a:rPr kumimoji="1" lang="ja-JP" altLang="en-US" sz="8000" dirty="0"/>
-              <a:t>ゲーム内容</a:t>
+              <a:t>企画考案段階</a:t>
             </a:r>
             <a:endParaRPr kumimoji="1" lang="en-US" altLang="ja-JP" sz="8000" dirty="0"/>
           </a:p>
@@ -3770,12 +3846,32 @@
           <a:p>
             <a:pPr algn="ctr"/>
             <a:r>
-              <a:rPr kumimoji="1" lang="en-US" altLang="ja-JP" sz="8000" dirty="0"/>
-              <a:t>1</a:t>
-            </a:r>
-            <a:r>
-              <a:rPr kumimoji="1" lang="ja-JP" altLang="en-US" sz="8000" dirty="0"/>
-              <a:t>ページ目</a:t>
+              <a:rPr kumimoji="1" lang="en-US" altLang="ja-JP" sz="2600" dirty="0"/>
+              <a:t>(</a:t>
+            </a:r>
+            <a:r>
+              <a:rPr kumimoji="1" lang="ja-JP" altLang="en-US" sz="2600" dirty="0"/>
+              <a:t>主に初期のゲーム画面のイメージや</a:t>
+            </a:r>
+            <a:endParaRPr kumimoji="1" lang="en-US" altLang="ja-JP" sz="2600" dirty="0"/>
+          </a:p>
+          <a:p>
+            <a:pPr algn="ctr"/>
+            <a:r>
+              <a:rPr kumimoji="1" lang="ja-JP" altLang="en-US" sz="2600" dirty="0"/>
+              <a:t>このゲームを作ろうと思い立ったポイント、</a:t>
+            </a:r>
+            <a:endParaRPr kumimoji="1" lang="en-US" altLang="ja-JP" sz="2600" dirty="0"/>
+          </a:p>
+          <a:p>
+            <a:pPr algn="ctr"/>
+            <a:r>
+              <a:rPr kumimoji="1" lang="ja-JP" altLang="en-US" sz="2600" dirty="0"/>
+              <a:t>杭の話や企画段階から変わらなかった点</a:t>
+            </a:r>
+            <a:r>
+              <a:rPr kumimoji="1" lang="en-US" altLang="ja-JP" sz="2600" dirty="0"/>
+              <a:t>)</a:t>
             </a:r>
           </a:p>
         </p:txBody>
@@ -3830,8 +3926,8 @@
         </p:nvSpPr>
         <p:spPr>
           <a:xfrm>
-            <a:off x="771862" y="3060174"/>
-            <a:ext cx="5314275" cy="3785652"/>
+            <a:off x="-74524" y="3044785"/>
+            <a:ext cx="7007047" cy="3816429"/>
           </a:xfrm>
           <a:prstGeom prst="rect">
             <a:avLst/>
@@ -3846,28 +3942,48 @@
           <a:p>
             <a:pPr algn="ctr"/>
             <a:r>
-              <a:rPr kumimoji="1" lang="ja-JP" altLang="en-US" sz="8000" dirty="0"/>
-              <a:t>ゲーム内容</a:t>
-            </a:r>
-            <a:endParaRPr kumimoji="1" lang="en-US" altLang="ja-JP" sz="8000" dirty="0"/>
+              <a:rPr kumimoji="1" lang="ja-JP" altLang="en-US" sz="6400" dirty="0"/>
+              <a:t>プロトタイプ段階</a:t>
+            </a:r>
+            <a:endParaRPr kumimoji="1" lang="en-US" altLang="ja-JP" sz="6400" dirty="0"/>
           </a:p>
           <a:p>
             <a:pPr algn="ctr"/>
             <a:r>
-              <a:rPr kumimoji="1" lang="ja-JP" altLang="en-US" sz="8000" dirty="0"/>
+              <a:rPr kumimoji="1" lang="ja-JP" altLang="en-US" sz="6400" dirty="0"/>
               <a:t>制作秘話</a:t>
             </a:r>
-            <a:endParaRPr kumimoji="1" lang="en-US" altLang="ja-JP" sz="8000" dirty="0"/>
+            <a:endParaRPr kumimoji="1" lang="en-US" altLang="ja-JP" sz="6400" dirty="0"/>
           </a:p>
           <a:p>
             <a:pPr algn="ctr"/>
             <a:r>
-              <a:rPr kumimoji="1" lang="en-US" altLang="ja-JP" sz="8000" dirty="0"/>
-              <a:t>2</a:t>
-            </a:r>
-            <a:r>
-              <a:rPr kumimoji="1" lang="ja-JP" altLang="en-US" sz="8000" dirty="0"/>
-              <a:t>ページ目</a:t>
+              <a:rPr kumimoji="1" lang="en-US" altLang="ja-JP" sz="3800" dirty="0"/>
+              <a:t>(</a:t>
+            </a:r>
+            <a:r>
+              <a:rPr kumimoji="1" lang="ja-JP" altLang="en-US" sz="3800" dirty="0"/>
+              <a:t>主にゲーム画面、</a:t>
+            </a:r>
+            <a:endParaRPr kumimoji="1" lang="en-US" altLang="ja-JP" sz="3800" dirty="0"/>
+          </a:p>
+          <a:p>
+            <a:pPr algn="ctr"/>
+            <a:r>
+              <a:rPr kumimoji="1" lang="ja-JP" altLang="en-US" sz="3800" dirty="0"/>
+              <a:t>この段階での氷のアルゴリズム</a:t>
+            </a:r>
+            <a:endParaRPr kumimoji="1" lang="en-US" altLang="ja-JP" sz="3800" dirty="0"/>
+          </a:p>
+          <a:p>
+            <a:pPr algn="ctr"/>
+            <a:r>
+              <a:rPr kumimoji="1" lang="ja-JP" altLang="en-US" sz="3800" dirty="0"/>
+              <a:t>作るうえで苦労した点</a:t>
+            </a:r>
+            <a:r>
+              <a:rPr kumimoji="1" lang="en-US" altLang="ja-JP" sz="3800" dirty="0"/>
+              <a:t>)</a:t>
             </a:r>
           </a:p>
         </p:txBody>
@@ -3922,8 +4038,8 @@
         </p:nvSpPr>
         <p:spPr>
           <a:xfrm>
-            <a:off x="771862" y="3060174"/>
-            <a:ext cx="5314275" cy="3785652"/>
+            <a:off x="-74523" y="2506176"/>
+            <a:ext cx="7007046" cy="5478423"/>
           </a:xfrm>
           <a:prstGeom prst="rect">
             <a:avLst/>
@@ -3938,8 +4054,12 @@
           <a:p>
             <a:pPr algn="ctr"/>
             <a:r>
+              <a:rPr kumimoji="1" lang="en-US" altLang="ja-JP" sz="8000" dirty="0"/>
+              <a:t>α</a:t>
+            </a:r>
+            <a:r>
               <a:rPr kumimoji="1" lang="ja-JP" altLang="en-US" sz="8000" dirty="0"/>
-              <a:t>ゲーム内容</a:t>
+              <a:t>版段階</a:t>
             </a:r>
             <a:endParaRPr kumimoji="1" lang="en-US" altLang="ja-JP" sz="8000" dirty="0"/>
           </a:p>
@@ -3954,12 +4074,48 @@
           <a:p>
             <a:pPr algn="ctr"/>
             <a:r>
-              <a:rPr kumimoji="1" lang="en-US" altLang="ja-JP" sz="8000" dirty="0"/>
-              <a:t>3</a:t>
-            </a:r>
-            <a:r>
-              <a:rPr kumimoji="1" lang="ja-JP" altLang="en-US" sz="8000" dirty="0"/>
-              <a:t>ページ目</a:t>
+              <a:rPr kumimoji="1" lang="en-US" altLang="ja-JP" sz="3800" dirty="0"/>
+              <a:t>(</a:t>
+            </a:r>
+            <a:r>
+              <a:rPr kumimoji="1" lang="ja-JP" altLang="en-US" sz="3800" dirty="0"/>
+              <a:t>主にゲーム画面、</a:t>
+            </a:r>
+            <a:endParaRPr kumimoji="1" lang="en-US" altLang="ja-JP" sz="3800" dirty="0"/>
+          </a:p>
+          <a:p>
+            <a:pPr algn="ctr"/>
+            <a:r>
+              <a:rPr kumimoji="1" lang="ja-JP" altLang="en-US" sz="3800" dirty="0"/>
+              <a:t>アザラシの変更、</a:t>
+            </a:r>
+            <a:endParaRPr kumimoji="1" lang="en-US" altLang="ja-JP" sz="3800" dirty="0"/>
+          </a:p>
+          <a:p>
+            <a:pPr algn="ctr"/>
+            <a:r>
+              <a:rPr kumimoji="1" lang="ja-JP" altLang="en-US" sz="4000" dirty="0"/>
+              <a:t>海流と氷の動きの兼ね合い、</a:t>
+            </a:r>
+            <a:endParaRPr kumimoji="1" lang="en-US" altLang="ja-JP" sz="3800" dirty="0"/>
+          </a:p>
+          <a:p>
+            <a:pPr algn="ctr"/>
+            <a:r>
+              <a:rPr kumimoji="1" lang="ja-JP" altLang="en-US" sz="3800" dirty="0"/>
+              <a:t>氷のアルゴリズムの苦悩、難関</a:t>
+            </a:r>
+            <a:endParaRPr kumimoji="1" lang="en-US" altLang="ja-JP" sz="3800" dirty="0"/>
+          </a:p>
+          <a:p>
+            <a:pPr algn="ctr"/>
+            <a:r>
+              <a:rPr kumimoji="1" lang="ja-JP" altLang="en-US" sz="3800" dirty="0"/>
+              <a:t>頑張ったポイント</a:t>
+            </a:r>
+            <a:r>
+              <a:rPr kumimoji="1" lang="en-US" altLang="ja-JP" sz="3800" dirty="0"/>
+              <a:t>)</a:t>
             </a:r>
           </a:p>
         </p:txBody>
@@ -4014,8 +4170,8 @@
         </p:nvSpPr>
         <p:spPr>
           <a:xfrm>
-            <a:off x="771862" y="3060174"/>
-            <a:ext cx="5314275" cy="3785652"/>
+            <a:off x="-48875" y="1705957"/>
+            <a:ext cx="6955750" cy="5816977"/>
           </a:xfrm>
           <a:prstGeom prst="rect">
             <a:avLst/>
@@ -4030,8 +4186,12 @@
           <a:p>
             <a:pPr algn="ctr"/>
             <a:r>
+              <a:rPr kumimoji="1" lang="en-US" altLang="ja-JP" sz="8000" dirty="0"/>
+              <a:t>β</a:t>
+            </a:r>
+            <a:r>
               <a:rPr kumimoji="1" lang="ja-JP" altLang="en-US" sz="8000" dirty="0"/>
-              <a:t>ゲーム内容</a:t>
+              <a:t>版段階</a:t>
             </a:r>
             <a:endParaRPr kumimoji="1" lang="en-US" altLang="ja-JP" sz="8000" dirty="0"/>
           </a:p>
@@ -4047,11 +4207,43 @@
             <a:pPr algn="ctr"/>
             <a:r>
               <a:rPr kumimoji="1" lang="en-US" altLang="ja-JP" sz="8000" dirty="0"/>
-              <a:t>4</a:t>
+              <a:t>1</a:t>
             </a:r>
             <a:r>
               <a:rPr kumimoji="1" lang="ja-JP" altLang="en-US" sz="8000" dirty="0"/>
               <a:t>ページ目</a:t>
+            </a:r>
+            <a:endParaRPr kumimoji="1" lang="en-US" altLang="ja-JP" sz="8000" dirty="0"/>
+          </a:p>
+          <a:p>
+            <a:pPr algn="ctr"/>
+            <a:r>
+              <a:rPr kumimoji="1" lang="en-US" altLang="ja-JP" sz="4400" dirty="0"/>
+              <a:t>(</a:t>
+            </a:r>
+            <a:r>
+              <a:rPr kumimoji="1" lang="ja-JP" altLang="en-US" sz="4400" dirty="0"/>
+              <a:t>主にペンギンの動き、</a:t>
+            </a:r>
+            <a:endParaRPr kumimoji="1" lang="en-US" altLang="ja-JP" sz="4400" dirty="0"/>
+          </a:p>
+          <a:p>
+            <a:pPr algn="ctr"/>
+            <a:r>
+              <a:rPr kumimoji="1" lang="ja-JP" altLang="en-US" sz="4400" dirty="0"/>
+              <a:t>氷のアルゴリズムの進化、</a:t>
+            </a:r>
+            <a:endParaRPr kumimoji="1" lang="en-US" altLang="ja-JP" sz="4400" dirty="0"/>
+          </a:p>
+          <a:p>
+            <a:pPr algn="ctr"/>
+            <a:r>
+              <a:rPr kumimoji="1" lang="ja-JP" altLang="en-US" sz="4400" dirty="0"/>
+              <a:t>海の表現</a:t>
+            </a:r>
+            <a:r>
+              <a:rPr kumimoji="1" lang="en-US" altLang="ja-JP" sz="4400" dirty="0"/>
+              <a:t>)</a:t>
             </a:r>
           </a:p>
         </p:txBody>
@@ -4094,10 +4286,10 @@
       </p:grpSpPr>
       <p:sp>
         <p:nvSpPr>
-          <p:cNvPr id="3" name="テキスト ボックス 2">
+          <p:cNvPr id="2" name="テキスト ボックス 1">
             <a:extLst>
               <a:ext uri="{FF2B5EF4-FFF2-40B4-BE49-F238E27FC236}">
-                <a16:creationId xmlns:a16="http://schemas.microsoft.com/office/drawing/2014/main" id="{CC72A473-FDCA-4308-424B-1388E59FD243}"/>
+                <a16:creationId xmlns:a16="http://schemas.microsoft.com/office/drawing/2014/main" id="{D8509C44-6FD3-A23F-B6F3-95D76A187D16}"/>
               </a:ext>
             </a:extLst>
           </p:cNvPr>
@@ -4106,8 +4298,8 @@
         </p:nvSpPr>
         <p:spPr>
           <a:xfrm>
-            <a:off x="771862" y="3060174"/>
-            <a:ext cx="5314275" cy="3785652"/>
+            <a:off x="97800" y="1705957"/>
+            <a:ext cx="6662401" cy="5570756"/>
           </a:xfrm>
           <a:prstGeom prst="rect">
             <a:avLst/>
@@ -4122,8 +4314,12 @@
           <a:p>
             <a:pPr algn="ctr"/>
             <a:r>
+              <a:rPr kumimoji="1" lang="en-US" altLang="ja-JP" sz="8000" dirty="0"/>
+              <a:t>β</a:t>
+            </a:r>
+            <a:r>
               <a:rPr kumimoji="1" lang="ja-JP" altLang="en-US" sz="8000" dirty="0"/>
-              <a:t>ゲーム内容</a:t>
+              <a:t>版段階</a:t>
             </a:r>
             <a:endParaRPr kumimoji="1" lang="en-US" altLang="ja-JP" sz="8000" dirty="0"/>
           </a:p>
@@ -4139,12 +4335,45 @@
             <a:pPr algn="ctr"/>
             <a:r>
               <a:rPr kumimoji="1" lang="en-US" altLang="ja-JP" sz="8000" dirty="0"/>
-              <a:t>5</a:t>
+              <a:t>2</a:t>
             </a:r>
             <a:r>
               <a:rPr kumimoji="1" lang="ja-JP" altLang="en-US" sz="8000" dirty="0"/>
               <a:t>ページ目</a:t>
             </a:r>
+            <a:endParaRPr kumimoji="1" lang="en-US" altLang="ja-JP" sz="8000" dirty="0"/>
+          </a:p>
+          <a:p>
+            <a:pPr algn="ctr"/>
+            <a:r>
+              <a:rPr kumimoji="1" lang="en-US" altLang="ja-JP" sz="3800" dirty="0"/>
+              <a:t>(</a:t>
+            </a:r>
+            <a:r>
+              <a:rPr kumimoji="1" lang="ja-JP" altLang="en-US" sz="3800" dirty="0"/>
+              <a:t>主にマルチプレイでの問題点</a:t>
+            </a:r>
+            <a:endParaRPr kumimoji="1" lang="en-US" altLang="ja-JP" sz="3800" dirty="0"/>
+          </a:p>
+          <a:p>
+            <a:pPr algn="ctr"/>
+            <a:r>
+              <a:rPr kumimoji="1" lang="ja-JP" altLang="en-US" sz="3800" dirty="0"/>
+              <a:t>海流の向きの伝え方や</a:t>
+            </a:r>
+            <a:endParaRPr kumimoji="1" lang="en-US" altLang="ja-JP" sz="3800" dirty="0"/>
+          </a:p>
+          <a:p>
+            <a:pPr algn="ctr"/>
+            <a:r>
+              <a:rPr kumimoji="1" lang="ja-JP" altLang="en-US" sz="4000" dirty="0"/>
+              <a:t>敵の動きについて</a:t>
+            </a:r>
+            <a:r>
+              <a:rPr kumimoji="1" lang="en-US" altLang="ja-JP" sz="3800" dirty="0"/>
+              <a:t>)</a:t>
+            </a:r>
+            <a:endParaRPr kumimoji="1" lang="ja-JP" altLang="en-US" sz="3800" dirty="0"/>
           </a:p>
         </p:txBody>
       </p:sp>
@@ -4198,8 +4427,8 @@
         </p:nvSpPr>
         <p:spPr>
           <a:xfrm>
-            <a:off x="771862" y="3060174"/>
-            <a:ext cx="5314275" cy="3785652"/>
+            <a:off x="-48875" y="2321510"/>
+            <a:ext cx="6955750" cy="5262979"/>
           </a:xfrm>
           <a:prstGeom prst="rect">
             <a:avLst/>
@@ -4214,8 +4443,12 @@
           <a:p>
             <a:pPr algn="ctr"/>
             <a:r>
+              <a:rPr kumimoji="1" lang="en-US" altLang="ja-JP" sz="8000" dirty="0"/>
+              <a:t>Master</a:t>
+            </a:r>
+            <a:r>
               <a:rPr kumimoji="1" lang="ja-JP" altLang="en-US" sz="8000" dirty="0"/>
-              <a:t>ゲーム内容</a:t>
+              <a:t>版</a:t>
             </a:r>
             <a:endParaRPr kumimoji="1" lang="en-US" altLang="ja-JP" sz="8000" dirty="0"/>
           </a:p>
@@ -4230,12 +4463,40 @@
           <a:p>
             <a:pPr algn="ctr"/>
             <a:r>
-              <a:rPr kumimoji="1" lang="en-US" altLang="ja-JP" sz="8000" dirty="0"/>
-              <a:t>6</a:t>
-            </a:r>
-            <a:r>
-              <a:rPr kumimoji="1" lang="ja-JP" altLang="en-US" sz="8000" dirty="0"/>
-              <a:t>ページ目</a:t>
+              <a:rPr kumimoji="1" lang="en-US" altLang="ja-JP" sz="4400" dirty="0"/>
+              <a:t>(</a:t>
+            </a:r>
+            <a:r>
+              <a:rPr kumimoji="1" lang="ja-JP" altLang="en-US" sz="4400" dirty="0"/>
+              <a:t>主に最後の調整、</a:t>
+            </a:r>
+            <a:endParaRPr kumimoji="1" lang="en-US" altLang="ja-JP" sz="4400" dirty="0"/>
+          </a:p>
+          <a:p>
+            <a:pPr algn="ctr"/>
+            <a:r>
+              <a:rPr kumimoji="1" lang="ja-JP" altLang="en-US" sz="4400" dirty="0"/>
+              <a:t>海、南極の細かい表現、</a:t>
+            </a:r>
+            <a:endParaRPr kumimoji="1" lang="en-US" altLang="ja-JP" sz="4400" dirty="0"/>
+          </a:p>
+          <a:p>
+            <a:pPr algn="ctr"/>
+            <a:r>
+              <a:rPr kumimoji="1" lang="ja-JP" altLang="en-US" sz="4400" dirty="0"/>
+              <a:t>今思えばもっとできたこと</a:t>
+            </a:r>
+            <a:endParaRPr kumimoji="1" lang="en-US" altLang="ja-JP" sz="4400" dirty="0"/>
+          </a:p>
+          <a:p>
+            <a:pPr algn="ctr"/>
+            <a:r>
+              <a:rPr kumimoji="1" lang="ja-JP" altLang="en-US" sz="4400" dirty="0"/>
+              <a:t>挑戦して良かったこと</a:t>
+            </a:r>
+            <a:r>
+              <a:rPr kumimoji="1" lang="en-US" altLang="ja-JP" sz="4400" dirty="0"/>
+              <a:t>)</a:t>
             </a:r>
           </a:p>
         </p:txBody>
